--- a/hack_10/Recommendation Systems.pptx
+++ b/hack_10/Recommendation Systems.pptx
@@ -212,7 +212,7 @@
           <a:p>
             <a:fld id="{B4DA6ADF-751E-44C8-B538-A7F7821B0957}" type="datetimeFigureOut">
               <a:rPr lang="en-GB" smtClean="0"/>
-              <a:t>16/09/2017</a:t>
+              <a:t>19/09/2017</a:t>
             </a:fld>
             <a:endParaRPr lang="en-GB"/>
           </a:p>
@@ -2063,7 +2063,7 @@
           <a:p>
             <a:fld id="{97908506-5D3E-49BA-AAB1-628276A0D002}" type="datetimeFigureOut">
               <a:rPr lang="en-GB" smtClean="0"/>
-              <a:t>16/09/2017</a:t>
+              <a:t>19/09/2017</a:t>
             </a:fld>
             <a:endParaRPr lang="en-GB"/>
           </a:p>
@@ -2233,7 +2233,7 @@
           <a:p>
             <a:fld id="{97908506-5D3E-49BA-AAB1-628276A0D002}" type="datetimeFigureOut">
               <a:rPr lang="en-GB" smtClean="0"/>
-              <a:t>16/09/2017</a:t>
+              <a:t>19/09/2017</a:t>
             </a:fld>
             <a:endParaRPr lang="en-GB"/>
           </a:p>
@@ -2413,7 +2413,7 @@
           <a:p>
             <a:fld id="{97908506-5D3E-49BA-AAB1-628276A0D002}" type="datetimeFigureOut">
               <a:rPr lang="en-GB" smtClean="0"/>
-              <a:t>16/09/2017</a:t>
+              <a:t>19/09/2017</a:t>
             </a:fld>
             <a:endParaRPr lang="en-GB"/>
           </a:p>
@@ -2583,7 +2583,7 @@
           <a:p>
             <a:fld id="{97908506-5D3E-49BA-AAB1-628276A0D002}" type="datetimeFigureOut">
               <a:rPr lang="en-GB" smtClean="0"/>
-              <a:t>16/09/2017</a:t>
+              <a:t>19/09/2017</a:t>
             </a:fld>
             <a:endParaRPr lang="en-GB"/>
           </a:p>
@@ -2829,7 +2829,7 @@
           <a:p>
             <a:fld id="{97908506-5D3E-49BA-AAB1-628276A0D002}" type="datetimeFigureOut">
               <a:rPr lang="en-GB" smtClean="0"/>
-              <a:t>16/09/2017</a:t>
+              <a:t>19/09/2017</a:t>
             </a:fld>
             <a:endParaRPr lang="en-GB"/>
           </a:p>
@@ -3117,7 +3117,7 @@
           <a:p>
             <a:fld id="{97908506-5D3E-49BA-AAB1-628276A0D002}" type="datetimeFigureOut">
               <a:rPr lang="en-GB" smtClean="0"/>
-              <a:t>16/09/2017</a:t>
+              <a:t>19/09/2017</a:t>
             </a:fld>
             <a:endParaRPr lang="en-GB"/>
           </a:p>
@@ -3539,7 +3539,7 @@
           <a:p>
             <a:fld id="{97908506-5D3E-49BA-AAB1-628276A0D002}" type="datetimeFigureOut">
               <a:rPr lang="en-GB" smtClean="0"/>
-              <a:t>16/09/2017</a:t>
+              <a:t>19/09/2017</a:t>
             </a:fld>
             <a:endParaRPr lang="en-GB"/>
           </a:p>
@@ -3657,7 +3657,7 @@
           <a:p>
             <a:fld id="{97908506-5D3E-49BA-AAB1-628276A0D002}" type="datetimeFigureOut">
               <a:rPr lang="en-GB" smtClean="0"/>
-              <a:t>16/09/2017</a:t>
+              <a:t>19/09/2017</a:t>
             </a:fld>
             <a:endParaRPr lang="en-GB"/>
           </a:p>
@@ -3752,7 +3752,7 @@
           <a:p>
             <a:fld id="{97908506-5D3E-49BA-AAB1-628276A0D002}" type="datetimeFigureOut">
               <a:rPr lang="en-GB" smtClean="0"/>
-              <a:t>16/09/2017</a:t>
+              <a:t>19/09/2017</a:t>
             </a:fld>
             <a:endParaRPr lang="en-GB"/>
           </a:p>
@@ -4029,7 +4029,7 @@
           <a:p>
             <a:fld id="{97908506-5D3E-49BA-AAB1-628276A0D002}" type="datetimeFigureOut">
               <a:rPr lang="en-GB" smtClean="0"/>
-              <a:t>16/09/2017</a:t>
+              <a:t>19/09/2017</a:t>
             </a:fld>
             <a:endParaRPr lang="en-GB"/>
           </a:p>
@@ -4282,7 +4282,7 @@
           <a:p>
             <a:fld id="{97908506-5D3E-49BA-AAB1-628276A0D002}" type="datetimeFigureOut">
               <a:rPr lang="en-GB" smtClean="0"/>
-              <a:t>16/09/2017</a:t>
+              <a:t>19/09/2017</a:t>
             </a:fld>
             <a:endParaRPr lang="en-GB"/>
           </a:p>
@@ -4495,7 +4495,7 @@
           <a:p>
             <a:fld id="{97908506-5D3E-49BA-AAB1-628276A0D002}" type="datetimeFigureOut">
               <a:rPr lang="en-GB" smtClean="0"/>
-              <a:t>16/09/2017</a:t>
+              <a:t>19/09/2017</a:t>
             </a:fld>
             <a:endParaRPr lang="en-GB"/>
           </a:p>
@@ -5105,11 +5105,7 @@
             <a:pPr algn="l"/>
             <a:r>
               <a:rPr lang="en-US" sz="1800" dirty="0" smtClean="0"/>
-              <a:t>When no or little information can be derived for a new user, it is very difficult to provide meaningful recommendations. </a:t>
-            </a:r>
-            <a:r>
-              <a:rPr lang="en-US" sz="1800" dirty="0" smtClean="0"/>
-              <a:t> </a:t>
+              <a:t>When no or little information can be derived for a new user, it is very difficult to provide meaningful recommendations.  </a:t>
             </a:r>
             <a:endParaRPr lang="en-US" sz="1800" dirty="0"/>
           </a:p>
@@ -5722,15 +5718,7 @@
                   <a:schemeClr val="bg1"/>
                 </a:solidFill>
               </a:rPr>
-              <a:t> </a:t>
-            </a:r>
-            <a:r>
-              <a:rPr lang="en-GB" sz="3600" dirty="0" smtClean="0">
-                <a:solidFill>
-                  <a:schemeClr val="bg1"/>
-                </a:solidFill>
-              </a:rPr>
-              <a:t>Comparison</a:t>
+              <a:t> Comparison</a:t>
             </a:r>
             <a:endParaRPr lang="en-GB" sz="3600" dirty="0">
               <a:solidFill>
@@ -9591,13 +9579,8 @@
             </a:r>
             <a:r>
               <a:rPr lang="en-US" sz="2800" dirty="0" smtClean="0"/>
-              <a:t> </a:t>
-            </a:r>
-            <a:r>
-              <a:rPr lang="en-US" sz="2800" dirty="0" smtClean="0"/>
-              <a:t> </a:t>
-            </a:r>
-            <a:endParaRPr lang="en-US" sz="2800" dirty="0" smtClean="0"/>
+              <a:t>  </a:t>
+            </a:r>
           </a:p>
           <a:p>
             <a:pPr algn="l"/>
@@ -10590,15 +10573,7 @@
                   <a:schemeClr val="bg1"/>
                 </a:solidFill>
               </a:rPr>
-              <a:t>Description</a:t>
-            </a:r>
-            <a:r>
-              <a:rPr lang="en-US" sz="3600" dirty="0" smtClean="0">
-                <a:solidFill>
-                  <a:schemeClr val="bg1"/>
-                </a:solidFill>
-              </a:rPr>
-              <a:t>  </a:t>
+              <a:t>Description  </a:t>
             </a:r>
             <a:endParaRPr lang="en-GB" sz="3600" dirty="0">
               <a:solidFill>
@@ -10969,7 +10944,6 @@
               <a:rPr lang="en-US" sz="1800" dirty="0" smtClean="0"/>
               <a:t> </a:t>
             </a:r>
-            <a:endParaRPr lang="en-US" sz="1800" dirty="0" smtClean="0"/>
           </a:p>
           <a:p>
             <a:pPr algn="l"/>
@@ -12152,8 +12126,20 @@
             <a:pPr algn="l"/>
             <a:r>
               <a:rPr lang="en-US" sz="1800" dirty="0" smtClean="0"/>
-              <a:t>Information about code. </a:t>
-            </a:r>
+              <a:t>You can find the code </a:t>
+            </a:r>
+            <a:r>
+              <a:rPr lang="en-US" sz="1800" smtClean="0"/>
+              <a:t>to start at </a:t>
+            </a:r>
+          </a:p>
+          <a:p>
+            <a:pPr algn="l"/>
+            <a:r>
+              <a:rPr lang="en-US" sz="1800" smtClean="0"/>
+              <a:t> </a:t>
+            </a:r>
+            <a:endParaRPr lang="en-US" sz="1800" dirty="0" smtClean="0"/>
           </a:p>
           <a:p>
             <a:pPr algn="l"/>
@@ -13687,17 +13673,12 @@
               <a:rPr lang="en-US" sz="2400" dirty="0" smtClean="0"/>
               <a:t>Identify users who share the same interests. </a:t>
             </a:r>
-            <a:endParaRPr lang="en-US" sz="2400" dirty="0" smtClean="0"/>
           </a:p>
           <a:p>
             <a:pPr algn="l"/>
             <a:r>
               <a:rPr lang="en-US" sz="2400" dirty="0" smtClean="0"/>
               <a:t>Identify items that has the same ranking patterns. </a:t>
-            </a:r>
-            <a:r>
-              <a:rPr lang="en-US" sz="2400" dirty="0" smtClean="0"/>
-              <a:t/>
             </a:r>
             <a:br>
               <a:rPr lang="en-US" sz="2400" dirty="0" smtClean="0"/>
@@ -13717,7 +13698,6 @@
               <a:rPr lang="en-US" sz="2000" dirty="0" smtClean="0"/>
               <a:t>If users have similar history they might be interested in the same topics in the future. </a:t>
             </a:r>
-            <a:endParaRPr lang="en-US" sz="2000" dirty="0" smtClean="0"/>
           </a:p>
           <a:p>
             <a:pPr algn="l"/>
@@ -13725,7 +13705,6 @@
               <a:rPr lang="en-US" sz="2000" dirty="0" smtClean="0"/>
               <a:t>If several products were evaluated in a similar way, the new product should have rating close to known ratings. </a:t>
             </a:r>
-            <a:endParaRPr lang="en-US" sz="2000" dirty="0" smtClean="0"/>
           </a:p>
           <a:p>
             <a:pPr algn="l"/>

--- a/hack_10/Recommendation Systems.pptx
+++ b/hack_10/Recommendation Systems.pptx
@@ -5,7 +5,7 @@
     <p:sldMasterId id="2147483648" r:id="rId1"/>
   </p:sldMasterIdLst>
   <p:notesMasterIdLst>
-    <p:notesMasterId r:id="rId23"/>
+    <p:notesMasterId r:id="rId24"/>
   </p:notesMasterIdLst>
   <p:sldIdLst>
     <p:sldId id="256" r:id="rId2"/>
@@ -28,7 +28,8 @@
     <p:sldId id="264" r:id="rId19"/>
     <p:sldId id="265" r:id="rId20"/>
     <p:sldId id="266" r:id="rId21"/>
-    <p:sldId id="267" r:id="rId22"/>
+    <p:sldId id="277" r:id="rId22"/>
+    <p:sldId id="267" r:id="rId23"/>
   </p:sldIdLst>
   <p:sldSz cx="9144000" cy="6858000" type="screen4x3"/>
   <p:notesSz cx="6858000" cy="9144000"/>
@@ -12126,20 +12127,43 @@
             <a:pPr algn="l"/>
             <a:r>
               <a:rPr lang="en-US" sz="1800" dirty="0" smtClean="0"/>
-              <a:t>You can find the code </a:t>
-            </a:r>
-            <a:r>
-              <a:rPr lang="en-US" sz="1800" smtClean="0"/>
-              <a:t>to start at </a:t>
+              <a:t>You can find the code to start </a:t>
+            </a:r>
+            <a:r>
+              <a:rPr lang="en-US" sz="1800" dirty="0" smtClean="0"/>
+              <a:t>at</a:t>
             </a:r>
           </a:p>
           <a:p>
             <a:pPr algn="l"/>
-            <a:r>
-              <a:rPr lang="en-US" sz="1800" smtClean="0"/>
+            <a:endParaRPr lang="en-US" sz="1800" dirty="0"/>
+          </a:p>
+          <a:p>
+            <a:pPr algn="l"/>
+            <a:r>
+              <a:rPr lang="en-US" sz="1800" dirty="0">
+                <a:hlinkClick r:id="rId2"/>
+              </a:rPr>
+              <a:t>https://</a:t>
+            </a:r>
+            <a:r>
+              <a:rPr lang="en-US" sz="1800" dirty="0" smtClean="0">
+                <a:hlinkClick r:id="rId2"/>
+              </a:rPr>
+              <a:t>github.com/RobRomijnders/EDS/blob/master/hack_10/Code/start.py</a:t>
+            </a:r>
+            <a:r>
+              <a:rPr lang="en-US" sz="1800" dirty="0" smtClean="0"/>
+              <a:t>  </a:t>
+            </a:r>
+            <a:endParaRPr lang="en-US" sz="1800" dirty="0" smtClean="0"/>
+          </a:p>
+          <a:p>
+            <a:pPr algn="l"/>
+            <a:r>
+              <a:rPr lang="en-US" sz="1800" dirty="0" smtClean="0"/>
               <a:t> </a:t>
             </a:r>
-            <a:endParaRPr lang="en-US" sz="1800" dirty="0" smtClean="0"/>
           </a:p>
           <a:p>
             <a:pPr algn="l"/>
@@ -12347,7 +12371,7 @@
                   <a:schemeClr val="bg1"/>
                 </a:solidFill>
               </a:rPr>
-              <a:t>Eindhoven Data Science</a:t>
+              <a:t>Next meetup   </a:t>
             </a:r>
             <a:endParaRPr lang="en-GB" sz="3600" dirty="0">
               <a:solidFill>
@@ -12368,7 +12392,7 @@
         <p:spPr>
           <a:xfrm>
             <a:off x="683568" y="1484784"/>
-            <a:ext cx="7776864" cy="4730080"/>
+            <a:ext cx="8280920" cy="4730080"/>
           </a:xfrm>
           <a:prstGeom prst="rect">
             <a:avLst/>
@@ -12376,7 +12400,7 @@
         </p:spPr>
         <p:txBody>
           <a:bodyPr vert="horz" lIns="91440" tIns="45720" rIns="91440" bIns="45720" rtlCol="0">
-            <a:normAutofit/>
+            <a:normAutofit fontScale="55000" lnSpcReduction="20000"/>
           </a:bodyPr>
           <a:lstStyle>
             <a:lvl1pPr marL="0" indent="0" algn="ctr" defTabSz="914400" rtl="0" eaLnBrk="1" latinLnBrk="0" hangingPunct="1">
@@ -12534,6 +12558,541 @@
             </a:lvl9pPr>
           </a:lstStyle>
           <a:p>
+            <a:r>
+              <a:rPr lang="en-GB" sz="5800" dirty="0" smtClean="0"/>
+              <a:t>Recurrent </a:t>
+            </a:r>
+            <a:r>
+              <a:rPr lang="en-GB" sz="5800" dirty="0"/>
+              <a:t>Neural </a:t>
+            </a:r>
+            <a:r>
+              <a:rPr lang="en-GB" sz="5800" dirty="0" smtClean="0"/>
+              <a:t>Networks</a:t>
+            </a:r>
+          </a:p>
+          <a:p>
+            <a:endParaRPr lang="en-US" sz="3600" dirty="0"/>
+          </a:p>
+          <a:p>
+            <a:pPr algn="l"/>
+            <a:r>
+              <a:rPr lang="en-GB" sz="3600" dirty="0"/>
+              <a:t>This hack will focus on implementing a Recurrent Neural Network (RNN). </a:t>
+            </a:r>
+            <a:r>
+              <a:rPr lang="en-GB" sz="3600" dirty="0" smtClean="0"/>
+              <a:t/>
+            </a:r>
+            <a:br>
+              <a:rPr lang="en-GB" sz="3600" dirty="0" smtClean="0"/>
+            </a:br>
+            <a:r>
+              <a:rPr lang="en-GB" sz="3600" dirty="0" smtClean="0"/>
+              <a:t>A </a:t>
+            </a:r>
+            <a:r>
+              <a:rPr lang="en-GB" sz="3600" dirty="0"/>
+              <a:t>RNN differs from a CNN, because it can take data with variable size as input and therefore it is ideal to </a:t>
+            </a:r>
+            <a:r>
+              <a:rPr lang="en-GB" sz="3600" dirty="0" smtClean="0"/>
+              <a:t>analyse </a:t>
+            </a:r>
+            <a:r>
+              <a:rPr lang="en-GB" sz="3600" dirty="0"/>
+              <a:t>time-series, signals or text documents. </a:t>
+            </a:r>
+            <a:r>
+              <a:rPr lang="en-GB" sz="3600" dirty="0" smtClean="0"/>
+              <a:t> </a:t>
+            </a:r>
+            <a:endParaRPr lang="en-GB" sz="3600" dirty="0"/>
+          </a:p>
+          <a:p>
+            <a:pPr algn="l"/>
+            <a:r>
+              <a:rPr lang="en-US" sz="3600" dirty="0"/>
+              <a:t>  </a:t>
+            </a:r>
+            <a:endParaRPr lang="en-US" sz="3600" dirty="0" smtClean="0"/>
+          </a:p>
+          <a:p>
+            <a:endParaRPr lang="en-US" sz="3600" dirty="0" smtClean="0"/>
+          </a:p>
+          <a:p>
+            <a:endParaRPr lang="en-US" sz="3600" dirty="0"/>
+          </a:p>
+          <a:p>
+            <a:endParaRPr lang="en-US" dirty="0" smtClean="0"/>
+          </a:p>
+          <a:p>
+            <a:endParaRPr lang="en-US" dirty="0"/>
+          </a:p>
+          <a:p>
+            <a:endParaRPr lang="en-US" dirty="0" smtClean="0"/>
+          </a:p>
+          <a:p>
+            <a:endParaRPr lang="en-US" dirty="0"/>
+          </a:p>
+          <a:p>
+            <a:endParaRPr lang="en-US" dirty="0" smtClean="0"/>
+          </a:p>
+          <a:p>
+            <a:endParaRPr lang="en-US" dirty="0"/>
+          </a:p>
+          <a:p>
+            <a:r>
+              <a:rPr lang="en-US" dirty="0" smtClean="0"/>
+              <a:t>Date: 31</a:t>
+            </a:r>
+            <a:r>
+              <a:rPr lang="en-US" baseline="30000" dirty="0" smtClean="0"/>
+              <a:t>st</a:t>
+            </a:r>
+            <a:r>
+              <a:rPr lang="en-US" dirty="0" smtClean="0"/>
+              <a:t> October, 2017 </a:t>
+            </a:r>
+            <a:endParaRPr lang="en-US" dirty="0"/>
+          </a:p>
+        </p:txBody>
+      </p:sp>
+      <p:pic>
+        <p:nvPicPr>
+          <p:cNvPr id="1026" name="Picture 2"/>
+          <p:cNvPicPr>
+            <a:picLocks noChangeAspect="1" noChangeArrowheads="1"/>
+          </p:cNvPicPr>
+          <p:nvPr/>
+        </p:nvPicPr>
+        <p:blipFill rotWithShape="1">
+          <a:blip r:embed="rId2" cstate="print">
+            <a:extLst>
+              <a:ext uri="{28A0092B-C50C-407E-A947-70E740481C1C}">
+                <a14:useLocalDpi xmlns:a14="http://schemas.microsoft.com/office/drawing/2010/main" val="0"/>
+              </a:ext>
+            </a:extLst>
+          </a:blip>
+          <a:srcRect l="920" t="4717" r="5086" b="2998"/>
+          <a:stretch/>
+        </p:blipFill>
+        <p:spPr bwMode="auto">
+          <a:xfrm>
+            <a:off x="2666612" y="3212976"/>
+            <a:ext cx="3777596" cy="2086264"/>
+          </a:xfrm>
+          <a:prstGeom prst="rect">
+            <a:avLst/>
+          </a:prstGeom>
+          <a:noFill/>
+          <a:ln>
+            <a:noFill/>
+          </a:ln>
+          <a:extLst>
+            <a:ext uri="{909E8E84-426E-40DD-AFC4-6F175D3DCCD1}">
+              <a14:hiddenFill xmlns:a14="http://schemas.microsoft.com/office/drawing/2010/main">
+                <a:solidFill>
+                  <a:schemeClr val="accent1"/>
+                </a:solidFill>
+              </a14:hiddenFill>
+            </a:ext>
+            <a:ext uri="{91240B29-F687-4F45-9708-019B960494DF}">
+              <a14:hiddenLine xmlns:a14="http://schemas.microsoft.com/office/drawing/2010/main" w="9525">
+                <a:solidFill>
+                  <a:schemeClr val="tx1"/>
+                </a:solidFill>
+                <a:miter lim="800000"/>
+                <a:headEnd/>
+                <a:tailEnd/>
+              </a14:hiddenLine>
+            </a:ext>
+          </a:extLst>
+        </p:spPr>
+      </p:pic>
+    </p:spTree>
+    <p:extLst>
+      <p:ext uri="{BB962C8B-B14F-4D97-AF65-F5344CB8AC3E}">
+        <p14:creationId xmlns:p14="http://schemas.microsoft.com/office/powerpoint/2010/main" val="978905521"/>
+      </p:ext>
+    </p:extLst>
+  </p:cSld>
+  <p:clrMapOvr>
+    <a:masterClrMapping/>
+  </p:clrMapOvr>
+  <p:timing>
+    <p:tnLst>
+      <p:par>
+        <p:cTn id="1" dur="indefinite" restart="never" nodeType="tmRoot"/>
+      </p:par>
+    </p:tnLst>
+  </p:timing>
+</p:sld>
+</file>
+
+<file path=ppt/slides/slide22.xml><?xml version="1.0" encoding="utf-8"?>
+<p:sld xmlns:a="http://schemas.openxmlformats.org/drawingml/2006/main" xmlns:r="http://schemas.openxmlformats.org/officeDocument/2006/relationships" xmlns:p="http://schemas.openxmlformats.org/presentationml/2006/main">
+  <p:cSld>
+    <p:spTree>
+      <p:nvGrpSpPr>
+        <p:cNvPr id="1" name=""/>
+        <p:cNvGrpSpPr/>
+        <p:nvPr/>
+      </p:nvGrpSpPr>
+      <p:grpSpPr>
+        <a:xfrm>
+          <a:off x="0" y="0"/>
+          <a:ext cx="0" cy="0"/>
+          <a:chOff x="0" y="0"/>
+          <a:chExt cx="0" cy="0"/>
+        </a:xfrm>
+      </p:grpSpPr>
+      <p:sp>
+        <p:nvSpPr>
+          <p:cNvPr id="6" name="Rectangle 5"/>
+          <p:cNvSpPr/>
+          <p:nvPr/>
+        </p:nvSpPr>
+        <p:spPr>
+          <a:xfrm>
+            <a:off x="0" y="0"/>
+            <a:ext cx="9144000" cy="1124744"/>
+          </a:xfrm>
+          <a:prstGeom prst="rect">
+            <a:avLst/>
+          </a:prstGeom>
+        </p:spPr>
+        <p:style>
+          <a:lnRef idx="2">
+            <a:schemeClr val="accent1">
+              <a:shade val="50000"/>
+            </a:schemeClr>
+          </a:lnRef>
+          <a:fillRef idx="1">
+            <a:schemeClr val="accent1"/>
+          </a:fillRef>
+          <a:effectRef idx="0">
+            <a:schemeClr val="accent1"/>
+          </a:effectRef>
+          <a:fontRef idx="minor">
+            <a:schemeClr val="lt1"/>
+          </a:fontRef>
+        </p:style>
+        <p:txBody>
+          <a:bodyPr rtlCol="0" anchor="ctr"/>
+          <a:lstStyle/>
+          <a:p>
+            <a:pPr algn="ctr"/>
+            <a:endParaRPr lang="en-GB" sz="4000" dirty="0"/>
+          </a:p>
+        </p:txBody>
+      </p:sp>
+      <p:sp>
+        <p:nvSpPr>
+          <p:cNvPr id="8" name="Rectangle 7"/>
+          <p:cNvSpPr/>
+          <p:nvPr/>
+        </p:nvSpPr>
+        <p:spPr>
+          <a:xfrm>
+            <a:off x="609" y="6453336"/>
+            <a:ext cx="9144000" cy="404664"/>
+          </a:xfrm>
+          <a:prstGeom prst="rect">
+            <a:avLst/>
+          </a:prstGeom>
+        </p:spPr>
+        <p:style>
+          <a:lnRef idx="2">
+            <a:schemeClr val="accent1">
+              <a:shade val="50000"/>
+            </a:schemeClr>
+          </a:lnRef>
+          <a:fillRef idx="1">
+            <a:schemeClr val="accent1"/>
+          </a:fillRef>
+          <a:effectRef idx="0">
+            <a:schemeClr val="accent1"/>
+          </a:effectRef>
+          <a:fontRef idx="minor">
+            <a:schemeClr val="lt1"/>
+          </a:fontRef>
+        </p:style>
+        <p:txBody>
+          <a:bodyPr rtlCol="0" anchor="ctr"/>
+          <a:lstStyle/>
+          <a:p>
+            <a:r>
+              <a:rPr lang="en-US" sz="1400" dirty="0" smtClean="0"/>
+              <a:t>Eindhoven Data Science</a:t>
+            </a:r>
+            <a:r>
+              <a:rPr lang="en-GB" sz="1400" dirty="0" smtClean="0"/>
+              <a:t> 			Recommendation Systems</a:t>
+            </a:r>
+            <a:endParaRPr lang="en-GB" sz="1400" dirty="0"/>
+          </a:p>
+        </p:txBody>
+      </p:sp>
+      <p:sp>
+        <p:nvSpPr>
+          <p:cNvPr id="9" name="Slide Number Placeholder 6"/>
+          <p:cNvSpPr>
+            <a:spLocks noGrp="1"/>
+          </p:cNvSpPr>
+          <p:nvPr>
+            <p:ph type="sldNum" sz="quarter" idx="12"/>
+          </p:nvPr>
+        </p:nvSpPr>
+        <p:spPr>
+          <a:xfrm>
+            <a:off x="8187480" y="6476715"/>
+            <a:ext cx="693440" cy="365125"/>
+          </a:xfrm>
+        </p:spPr>
+        <p:txBody>
+          <a:bodyPr/>
+          <a:lstStyle/>
+          <a:p>
+            <a:r>
+              <a:rPr lang="en-GB" dirty="0" smtClean="0">
+                <a:solidFill>
+                  <a:schemeClr val="bg1"/>
+                </a:solidFill>
+              </a:rPr>
+              <a:t>Page </a:t>
+            </a:r>
+            <a:fld id="{9DA64FF4-FE49-4C69-BBA2-AF4D89EC4690}" type="slidenum">
+              <a:rPr lang="en-GB" smtClean="0">
+                <a:solidFill>
+                  <a:schemeClr val="bg1"/>
+                </a:solidFill>
+              </a:rPr>
+              <a:t>22</a:t>
+            </a:fld>
+            <a:endParaRPr lang="en-GB" dirty="0">
+              <a:solidFill>
+                <a:schemeClr val="bg1"/>
+              </a:solidFill>
+            </a:endParaRPr>
+          </a:p>
+        </p:txBody>
+      </p:sp>
+      <p:sp>
+        <p:nvSpPr>
+          <p:cNvPr id="11" name="Title 1"/>
+          <p:cNvSpPr>
+            <a:spLocks noGrp="1"/>
+          </p:cNvSpPr>
+          <p:nvPr>
+            <p:ph type="ctrTitle"/>
+          </p:nvPr>
+        </p:nvSpPr>
+        <p:spPr>
+          <a:xfrm>
+            <a:off x="685293" y="310344"/>
+            <a:ext cx="7774632" cy="504056"/>
+          </a:xfrm>
+        </p:spPr>
+        <p:txBody>
+          <a:bodyPr>
+            <a:noAutofit/>
+          </a:bodyPr>
+          <a:lstStyle/>
+          <a:p>
+            <a:r>
+              <a:rPr lang="en-US" sz="3600" dirty="0" smtClean="0">
+                <a:solidFill>
+                  <a:schemeClr val="bg1"/>
+                </a:solidFill>
+              </a:rPr>
+              <a:t>Eindhoven Data Science</a:t>
+            </a:r>
+            <a:endParaRPr lang="en-GB" sz="3600" dirty="0">
+              <a:solidFill>
+                <a:schemeClr val="bg1"/>
+              </a:solidFill>
+            </a:endParaRPr>
+          </a:p>
+        </p:txBody>
+      </p:sp>
+      <p:sp>
+        <p:nvSpPr>
+          <p:cNvPr id="10" name="Subtitle 2"/>
+          <p:cNvSpPr txBox="1">
+            <a:spLocks/>
+          </p:cNvSpPr>
+          <p:nvPr/>
+        </p:nvSpPr>
+        <p:spPr>
+          <a:xfrm>
+            <a:off x="683568" y="1484784"/>
+            <a:ext cx="7776864" cy="4730080"/>
+          </a:xfrm>
+          <a:prstGeom prst="rect">
+            <a:avLst/>
+          </a:prstGeom>
+        </p:spPr>
+        <p:txBody>
+          <a:bodyPr vert="horz" lIns="91440" tIns="45720" rIns="91440" bIns="45720" rtlCol="0">
+            <a:normAutofit/>
+          </a:bodyPr>
+          <a:lstStyle>
+            <a:lvl1pPr marL="0" indent="0" algn="ctr" defTabSz="914400" rtl="0" eaLnBrk="1" latinLnBrk="0" hangingPunct="1">
+              <a:spcBef>
+                <a:spcPct val="20000"/>
+              </a:spcBef>
+              <a:buFont typeface="Arial" panose="020B0604020202020204" pitchFamily="34" charset="0"/>
+              <a:buNone/>
+              <a:defRPr sz="3200" kern="1200">
+                <a:solidFill>
+                  <a:schemeClr val="tx1">
+                    <a:tint val="75000"/>
+                  </a:schemeClr>
+                </a:solidFill>
+                <a:latin typeface="+mn-lt"/>
+                <a:ea typeface="+mn-ea"/>
+                <a:cs typeface="+mn-cs"/>
+              </a:defRPr>
+            </a:lvl1pPr>
+            <a:lvl2pPr marL="457200" indent="0" algn="ctr" defTabSz="914400" rtl="0" eaLnBrk="1" latinLnBrk="0" hangingPunct="1">
+              <a:spcBef>
+                <a:spcPct val="20000"/>
+              </a:spcBef>
+              <a:buFont typeface="Arial" panose="020B0604020202020204" pitchFamily="34" charset="0"/>
+              <a:buNone/>
+              <a:defRPr sz="2800" kern="1200">
+                <a:solidFill>
+                  <a:schemeClr val="tx1">
+                    <a:tint val="75000"/>
+                  </a:schemeClr>
+                </a:solidFill>
+                <a:latin typeface="+mn-lt"/>
+                <a:ea typeface="+mn-ea"/>
+                <a:cs typeface="+mn-cs"/>
+              </a:defRPr>
+            </a:lvl2pPr>
+            <a:lvl3pPr marL="914400" indent="0" algn="ctr" defTabSz="914400" rtl="0" eaLnBrk="1" latinLnBrk="0" hangingPunct="1">
+              <a:spcBef>
+                <a:spcPct val="20000"/>
+              </a:spcBef>
+              <a:buFont typeface="Arial" panose="020B0604020202020204" pitchFamily="34" charset="0"/>
+              <a:buNone/>
+              <a:defRPr sz="2400" kern="1200">
+                <a:solidFill>
+                  <a:schemeClr val="tx1">
+                    <a:tint val="75000"/>
+                  </a:schemeClr>
+                </a:solidFill>
+                <a:latin typeface="+mn-lt"/>
+                <a:ea typeface="+mn-ea"/>
+                <a:cs typeface="+mn-cs"/>
+              </a:defRPr>
+            </a:lvl3pPr>
+            <a:lvl4pPr marL="1371600" indent="0" algn="ctr" defTabSz="914400" rtl="0" eaLnBrk="1" latinLnBrk="0" hangingPunct="1">
+              <a:spcBef>
+                <a:spcPct val="20000"/>
+              </a:spcBef>
+              <a:buFont typeface="Arial" panose="020B0604020202020204" pitchFamily="34" charset="0"/>
+              <a:buNone/>
+              <a:defRPr sz="2000" kern="1200">
+                <a:solidFill>
+                  <a:schemeClr val="tx1">
+                    <a:tint val="75000"/>
+                  </a:schemeClr>
+                </a:solidFill>
+                <a:latin typeface="+mn-lt"/>
+                <a:ea typeface="+mn-ea"/>
+                <a:cs typeface="+mn-cs"/>
+              </a:defRPr>
+            </a:lvl4pPr>
+            <a:lvl5pPr marL="1828800" indent="0" algn="ctr" defTabSz="914400" rtl="0" eaLnBrk="1" latinLnBrk="0" hangingPunct="1">
+              <a:spcBef>
+                <a:spcPct val="20000"/>
+              </a:spcBef>
+              <a:buFont typeface="Arial" panose="020B0604020202020204" pitchFamily="34" charset="0"/>
+              <a:buNone/>
+              <a:defRPr sz="2000" kern="1200">
+                <a:solidFill>
+                  <a:schemeClr val="tx1">
+                    <a:tint val="75000"/>
+                  </a:schemeClr>
+                </a:solidFill>
+                <a:latin typeface="+mn-lt"/>
+                <a:ea typeface="+mn-ea"/>
+                <a:cs typeface="+mn-cs"/>
+              </a:defRPr>
+            </a:lvl5pPr>
+            <a:lvl6pPr marL="2286000" indent="0" algn="ctr" defTabSz="914400" rtl="0" eaLnBrk="1" latinLnBrk="0" hangingPunct="1">
+              <a:spcBef>
+                <a:spcPct val="20000"/>
+              </a:spcBef>
+              <a:buFont typeface="Arial" panose="020B0604020202020204" pitchFamily="34" charset="0"/>
+              <a:buNone/>
+              <a:defRPr sz="2000" kern="1200">
+                <a:solidFill>
+                  <a:schemeClr val="tx1">
+                    <a:tint val="75000"/>
+                  </a:schemeClr>
+                </a:solidFill>
+                <a:latin typeface="+mn-lt"/>
+                <a:ea typeface="+mn-ea"/>
+                <a:cs typeface="+mn-cs"/>
+              </a:defRPr>
+            </a:lvl6pPr>
+            <a:lvl7pPr marL="2743200" indent="0" algn="ctr" defTabSz="914400" rtl="0" eaLnBrk="1" latinLnBrk="0" hangingPunct="1">
+              <a:spcBef>
+                <a:spcPct val="20000"/>
+              </a:spcBef>
+              <a:buFont typeface="Arial" panose="020B0604020202020204" pitchFamily="34" charset="0"/>
+              <a:buNone/>
+              <a:defRPr sz="2000" kern="1200">
+                <a:solidFill>
+                  <a:schemeClr val="tx1">
+                    <a:tint val="75000"/>
+                  </a:schemeClr>
+                </a:solidFill>
+                <a:latin typeface="+mn-lt"/>
+                <a:ea typeface="+mn-ea"/>
+                <a:cs typeface="+mn-cs"/>
+              </a:defRPr>
+            </a:lvl7pPr>
+            <a:lvl8pPr marL="3200400" indent="0" algn="ctr" defTabSz="914400" rtl="0" eaLnBrk="1" latinLnBrk="0" hangingPunct="1">
+              <a:spcBef>
+                <a:spcPct val="20000"/>
+              </a:spcBef>
+              <a:buFont typeface="Arial" panose="020B0604020202020204" pitchFamily="34" charset="0"/>
+              <a:buNone/>
+              <a:defRPr sz="2000" kern="1200">
+                <a:solidFill>
+                  <a:schemeClr val="tx1">
+                    <a:tint val="75000"/>
+                  </a:schemeClr>
+                </a:solidFill>
+                <a:latin typeface="+mn-lt"/>
+                <a:ea typeface="+mn-ea"/>
+                <a:cs typeface="+mn-cs"/>
+              </a:defRPr>
+            </a:lvl8pPr>
+            <a:lvl9pPr marL="3657600" indent="0" algn="ctr" defTabSz="914400" rtl="0" eaLnBrk="1" latinLnBrk="0" hangingPunct="1">
+              <a:spcBef>
+                <a:spcPct val="20000"/>
+              </a:spcBef>
+              <a:buFont typeface="Arial" panose="020B0604020202020204" pitchFamily="34" charset="0"/>
+              <a:buNone/>
+              <a:defRPr sz="2000" kern="1200">
+                <a:solidFill>
+                  <a:schemeClr val="tx1">
+                    <a:tint val="75000"/>
+                  </a:schemeClr>
+                </a:solidFill>
+                <a:latin typeface="+mn-lt"/>
+                <a:ea typeface="+mn-ea"/>
+                <a:cs typeface="+mn-cs"/>
+              </a:defRPr>
+            </a:lvl9pPr>
+          </a:lstStyle>
+          <a:p>
             <a:pPr algn="l"/>
             <a:endParaRPr lang="en-US" sz="1800" dirty="0"/>
           </a:p>
@@ -12583,16 +13142,21 @@
             <a:pPr algn="l"/>
             <a:r>
               <a:rPr lang="en-US" sz="1800" dirty="0" smtClean="0"/>
-              <a:t>The password for Wi-Fi is </a:t>
+              <a:t>The password for Wi-Fi </a:t>
+            </a:r>
+            <a:r>
+              <a:rPr lang="en-US" sz="1800" dirty="0"/>
+              <a:t>is </a:t>
             </a:r>
             <a:r>
               <a:rPr lang="en-US" sz="1800" dirty="0" err="1" smtClean="0"/>
-              <a:t>abc</a:t>
+              <a:t>voorlopig</a:t>
             </a:r>
             <a:r>
               <a:rPr lang="en-US" sz="1800" dirty="0" smtClean="0"/>
-              <a:t>. </a:t>
-            </a:r>
+              <a:t> .  </a:t>
+            </a:r>
+            <a:endParaRPr lang="en-US" sz="1800" dirty="0" smtClean="0"/>
           </a:p>
           <a:p>
             <a:pPr algn="l"/>
